--- a/Speech emotion recognition ....pptx
+++ b/Speech emotion recognition ....pptx
@@ -115,6 +115,22 @@
       </a:defRPr>
     </a:lvl9pPr>
   </p:defaultTextStyle>
+  <p:extLst>
+    <p:ext uri="{EFAFB233-063F-42B5-8137-9DF3F51BA10A}">
+      <p15:sldGuideLst xmlns:p15="http://schemas.microsoft.com/office/powerpoint/2012/main">
+        <p15:guide id="1" orient="horz" pos="2160">
+          <p15:clr>
+            <a:srgbClr val="A4A3A4"/>
+          </p15:clr>
+        </p15:guide>
+        <p15:guide id="2" pos="3840">
+          <p15:clr>
+            <a:srgbClr val="A4A3A4"/>
+          </p15:clr>
+        </p15:guide>
+      </p15:sldGuideLst>
+    </p:ext>
+  </p:extLst>
 </p:presentation>
 </file>
 
@@ -4394,7 +4410,7 @@
           <a:p>
             <a:fld id="{7F109918-C9A4-4B8C-9B76-CAD6190814D5}" type="datetimeFigureOut">
               <a:rPr lang="en-IN" smtClean="0"/>
-              <a:t>02-04-2024</a:t>
+              <a:t>10-05-2024</a:t>
             </a:fld>
             <a:endParaRPr lang="en-IN"/>
           </a:p>
@@ -4661,7 +4677,7 @@
           <a:p>
             <a:fld id="{7F109918-C9A4-4B8C-9B76-CAD6190814D5}" type="datetimeFigureOut">
               <a:rPr lang="en-IN" smtClean="0"/>
-              <a:t>02-04-2024</a:t>
+              <a:t>10-05-2024</a:t>
             </a:fld>
             <a:endParaRPr lang="en-IN"/>
           </a:p>
@@ -4857,7 +4873,7 @@
           <a:p>
             <a:fld id="{7F109918-C9A4-4B8C-9B76-CAD6190814D5}" type="datetimeFigureOut">
               <a:rPr lang="en-IN" smtClean="0"/>
-              <a:t>02-04-2024</a:t>
+              <a:t>10-05-2024</a:t>
             </a:fld>
             <a:endParaRPr lang="en-IN"/>
           </a:p>
@@ -5120,7 +5136,7 @@
           <a:p>
             <a:fld id="{7F109918-C9A4-4B8C-9B76-CAD6190814D5}" type="datetimeFigureOut">
               <a:rPr lang="en-IN" smtClean="0"/>
-              <a:t>02-04-2024</a:t>
+              <a:t>10-05-2024</a:t>
             </a:fld>
             <a:endParaRPr lang="en-IN"/>
           </a:p>
@@ -5554,7 +5570,7 @@
           <a:p>
             <a:fld id="{7F109918-C9A4-4B8C-9B76-CAD6190814D5}" type="datetimeFigureOut">
               <a:rPr lang="en-IN" smtClean="0"/>
-              <a:t>02-04-2024</a:t>
+              <a:t>10-05-2024</a:t>
             </a:fld>
             <a:endParaRPr lang="en-IN"/>
           </a:p>
@@ -6100,7 +6116,7 @@
           <a:p>
             <a:fld id="{7F109918-C9A4-4B8C-9B76-CAD6190814D5}" type="datetimeFigureOut">
               <a:rPr lang="en-IN" smtClean="0"/>
-              <a:t>02-04-2024</a:t>
+              <a:t>10-05-2024</a:t>
             </a:fld>
             <a:endParaRPr lang="en-IN"/>
           </a:p>
@@ -6820,7 +6836,7 @@
           <a:p>
             <a:fld id="{7F109918-C9A4-4B8C-9B76-CAD6190814D5}" type="datetimeFigureOut">
               <a:rPr lang="en-IN" smtClean="0"/>
-              <a:t>02-04-2024</a:t>
+              <a:t>10-05-2024</a:t>
             </a:fld>
             <a:endParaRPr lang="en-IN"/>
           </a:p>
@@ -6990,7 +7006,7 @@
           <a:p>
             <a:fld id="{7F109918-C9A4-4B8C-9B76-CAD6190814D5}" type="datetimeFigureOut">
               <a:rPr lang="en-IN" smtClean="0"/>
-              <a:t>02-04-2024</a:t>
+              <a:t>10-05-2024</a:t>
             </a:fld>
             <a:endParaRPr lang="en-IN"/>
           </a:p>
@@ -7170,7 +7186,7 @@
           <a:p>
             <a:fld id="{7F109918-C9A4-4B8C-9B76-CAD6190814D5}" type="datetimeFigureOut">
               <a:rPr lang="en-IN" smtClean="0"/>
-              <a:t>02-04-2024</a:t>
+              <a:t>10-05-2024</a:t>
             </a:fld>
             <a:endParaRPr lang="en-IN"/>
           </a:p>
@@ -7340,7 +7356,7 @@
           <a:p>
             <a:fld id="{7F109918-C9A4-4B8C-9B76-CAD6190814D5}" type="datetimeFigureOut">
               <a:rPr lang="en-IN" smtClean="0"/>
-              <a:t>02-04-2024</a:t>
+              <a:t>10-05-2024</a:t>
             </a:fld>
             <a:endParaRPr lang="en-IN"/>
           </a:p>
@@ -7590,7 +7606,7 @@
           <a:p>
             <a:fld id="{7F109918-C9A4-4B8C-9B76-CAD6190814D5}" type="datetimeFigureOut">
               <a:rPr lang="en-IN" smtClean="0"/>
-              <a:t>02-04-2024</a:t>
+              <a:t>10-05-2024</a:t>
             </a:fld>
             <a:endParaRPr lang="en-IN"/>
           </a:p>
@@ -7822,7 +7838,7 @@
           <a:p>
             <a:fld id="{7F109918-C9A4-4B8C-9B76-CAD6190814D5}" type="datetimeFigureOut">
               <a:rPr lang="en-IN" smtClean="0"/>
-              <a:t>02-04-2024</a:t>
+              <a:t>10-05-2024</a:t>
             </a:fld>
             <a:endParaRPr lang="en-IN"/>
           </a:p>
@@ -8203,7 +8219,7 @@
           <a:p>
             <a:fld id="{7F109918-C9A4-4B8C-9B76-CAD6190814D5}" type="datetimeFigureOut">
               <a:rPr lang="en-IN" smtClean="0"/>
-              <a:t>02-04-2024</a:t>
+              <a:t>10-05-2024</a:t>
             </a:fld>
             <a:endParaRPr lang="en-IN"/>
           </a:p>
@@ -8321,7 +8337,7 @@
           <a:p>
             <a:fld id="{7F109918-C9A4-4B8C-9B76-CAD6190814D5}" type="datetimeFigureOut">
               <a:rPr lang="en-IN" smtClean="0"/>
-              <a:t>02-04-2024</a:t>
+              <a:t>10-05-2024</a:t>
             </a:fld>
             <a:endParaRPr lang="en-IN"/>
           </a:p>
@@ -8416,7 +8432,7 @@
           <a:p>
             <a:fld id="{7F109918-C9A4-4B8C-9B76-CAD6190814D5}" type="datetimeFigureOut">
               <a:rPr lang="en-IN" smtClean="0"/>
-              <a:t>02-04-2024</a:t>
+              <a:t>10-05-2024</a:t>
             </a:fld>
             <a:endParaRPr lang="en-IN"/>
           </a:p>
@@ -8665,7 +8681,7 @@
           <a:p>
             <a:fld id="{7F109918-C9A4-4B8C-9B76-CAD6190814D5}" type="datetimeFigureOut">
               <a:rPr lang="en-IN" smtClean="0"/>
-              <a:t>02-04-2024</a:t>
+              <a:t>10-05-2024</a:t>
             </a:fld>
             <a:endParaRPr lang="en-IN"/>
           </a:p>
@@ -8945,7 +8961,7 @@
           <a:p>
             <a:fld id="{7F109918-C9A4-4B8C-9B76-CAD6190814D5}" type="datetimeFigureOut">
               <a:rPr lang="en-IN" smtClean="0"/>
-              <a:t>02-04-2024</a:t>
+              <a:t>10-05-2024</a:t>
             </a:fld>
             <a:endParaRPr lang="en-IN"/>
           </a:p>
@@ -12022,7 +12038,7 @@
           <a:p>
             <a:fld id="{7F109918-C9A4-4B8C-9B76-CAD6190814D5}" type="datetimeFigureOut">
               <a:rPr lang="en-IN" smtClean="0"/>
-              <a:t>02-04-2024</a:t>
+              <a:t>10-05-2024</a:t>
             </a:fld>
             <a:endParaRPr lang="en-IN"/>
           </a:p>
@@ -12447,7 +12463,7 @@
           <p:cNvPr id="2" name="Title 1">
             <a:extLst>
               <a:ext uri="{FF2B5EF4-FFF2-40B4-BE49-F238E27FC236}">
-                <a16:creationId xmlns="" xmlns:a16="http://schemas.microsoft.com/office/drawing/2014/main" id="{59C96B98-02A0-2B4A-361B-065FEA14B8F6}"/>
+                <a16:creationId xmlns:a16="http://schemas.microsoft.com/office/drawing/2014/main" id="{59C96B98-02A0-2B4A-361B-065FEA14B8F6}"/>
               </a:ext>
             </a:extLst>
           </p:cNvPr>
@@ -12494,7 +12510,7 @@
           <p:cNvPr id="3" name="Subtitle 2">
             <a:extLst>
               <a:ext uri="{FF2B5EF4-FFF2-40B4-BE49-F238E27FC236}">
-                <a16:creationId xmlns="" xmlns:a16="http://schemas.microsoft.com/office/drawing/2014/main" id="{4900E728-584C-FBC3-E2B6-BBE068664AB3}"/>
+                <a16:creationId xmlns:a16="http://schemas.microsoft.com/office/drawing/2014/main" id="{4900E728-584C-FBC3-E2B6-BBE068664AB3}"/>
               </a:ext>
             </a:extLst>
           </p:cNvPr>
@@ -12524,10 +12540,6 @@
             <a:br>
               <a:rPr lang="en-IN" dirty="0"/>
             </a:br>
-            <a:r>
-              <a:rPr lang="en-IN" dirty="0"/>
-              <a:t/>
-            </a:r>
             <a:br>
               <a:rPr lang="en-IN" dirty="0"/>
             </a:br>
@@ -12622,7 +12634,7 @@
           <p:cNvPr id="2" name="Title 1">
             <a:extLst>
               <a:ext uri="{FF2B5EF4-FFF2-40B4-BE49-F238E27FC236}">
-                <a16:creationId xmlns="" xmlns:a16="http://schemas.microsoft.com/office/drawing/2014/main" id="{C7AD109E-8E3C-0476-D6FA-C5B980DAAA0D}"/>
+                <a16:creationId xmlns:a16="http://schemas.microsoft.com/office/drawing/2014/main" id="{C7AD109E-8E3C-0476-D6FA-C5B980DAAA0D}"/>
               </a:ext>
             </a:extLst>
           </p:cNvPr>
@@ -12647,7 +12659,7 @@
           <p:cNvPr id="8" name="Content Placeholder 7">
             <a:extLst>
               <a:ext uri="{FF2B5EF4-FFF2-40B4-BE49-F238E27FC236}">
-                <a16:creationId xmlns="" xmlns:a16="http://schemas.microsoft.com/office/drawing/2014/main" id="{0FA41BE8-E1C2-F6B2-B00E-40499B9EEDC1}"/>
+                <a16:creationId xmlns:a16="http://schemas.microsoft.com/office/drawing/2014/main" id="{0FA41BE8-E1C2-F6B2-B00E-40499B9EEDC1}"/>
               </a:ext>
             </a:extLst>
           </p:cNvPr>
@@ -12725,7 +12737,7 @@
           <p:cNvPr id="2" name="Title 1">
             <a:extLst>
               <a:ext uri="{FF2B5EF4-FFF2-40B4-BE49-F238E27FC236}">
-                <a16:creationId xmlns="" xmlns:a16="http://schemas.microsoft.com/office/drawing/2014/main" id="{95554FF1-EAE1-6C97-845A-2CCD622EAFA9}"/>
+                <a16:creationId xmlns:a16="http://schemas.microsoft.com/office/drawing/2014/main" id="{95554FF1-EAE1-6C97-845A-2CCD622EAFA9}"/>
               </a:ext>
             </a:extLst>
           </p:cNvPr>
@@ -12757,7 +12769,7 @@
           <p:cNvPr id="3" name="Content Placeholder 2">
             <a:extLst>
               <a:ext uri="{FF2B5EF4-FFF2-40B4-BE49-F238E27FC236}">
-                <a16:creationId xmlns="" xmlns:a16="http://schemas.microsoft.com/office/drawing/2014/main" id="{C18DBB1B-057E-36EC-C5FB-BB7056FC3E36}"/>
+                <a16:creationId xmlns:a16="http://schemas.microsoft.com/office/drawing/2014/main" id="{C18DBB1B-057E-36EC-C5FB-BB7056FC3E36}"/>
               </a:ext>
             </a:extLst>
           </p:cNvPr>
@@ -12836,7 +12848,7 @@
           <p:cNvPr id="2" name="Title 1">
             <a:extLst>
               <a:ext uri="{FF2B5EF4-FFF2-40B4-BE49-F238E27FC236}">
-                <a16:creationId xmlns="" xmlns:a16="http://schemas.microsoft.com/office/drawing/2014/main" id="{4D969901-EDA5-6F61-2EDD-5827FE814C97}"/>
+                <a16:creationId xmlns:a16="http://schemas.microsoft.com/office/drawing/2014/main" id="{4D969901-EDA5-6F61-2EDD-5827FE814C97}"/>
               </a:ext>
             </a:extLst>
           </p:cNvPr>
@@ -12903,7 +12915,13 @@
       </p:sp>
       <p:pic>
         <p:nvPicPr>
-          <p:cNvPr id="6" name="Content Placeholder 5"/>
+          <p:cNvPr id="8" name="Content Placeholder 7">
+            <a:extLst>
+              <a:ext uri="{FF2B5EF4-FFF2-40B4-BE49-F238E27FC236}">
+                <a16:creationId xmlns:a16="http://schemas.microsoft.com/office/drawing/2014/main" id="{D0FEDE5E-4F28-0F64-EA90-1E041D1DA41A}"/>
+              </a:ext>
+            </a:extLst>
+          </p:cNvPr>
           <p:cNvPicPr>
             <a:picLocks noGrp="1" noChangeAspect="1"/>
           </p:cNvPicPr>
@@ -12925,8 +12943,8 @@
         </p:blipFill>
         <p:spPr>
           <a:xfrm>
-            <a:off x="1202499" y="1766170"/>
-            <a:ext cx="10609545" cy="4484318"/>
+            <a:off x="875071" y="1670758"/>
+            <a:ext cx="10953135" cy="4120442"/>
           </a:xfrm>
         </p:spPr>
       </p:pic>
@@ -12965,7 +12983,7 @@
           <p:cNvPr id="2" name="Title 1">
             <a:extLst>
               <a:ext uri="{FF2B5EF4-FFF2-40B4-BE49-F238E27FC236}">
-                <a16:creationId xmlns="" xmlns:a16="http://schemas.microsoft.com/office/drawing/2014/main" id="{926CFA5D-9998-D4F7-D670-86EDBAF4FE2F}"/>
+                <a16:creationId xmlns:a16="http://schemas.microsoft.com/office/drawing/2014/main" id="{926CFA5D-9998-D4F7-D670-86EDBAF4FE2F}"/>
               </a:ext>
             </a:extLst>
           </p:cNvPr>
@@ -13001,7 +13019,7 @@
           <p:cNvPr id="3" name="Subtitle 2">
             <a:extLst>
               <a:ext uri="{FF2B5EF4-FFF2-40B4-BE49-F238E27FC236}">
-                <a16:creationId xmlns="" xmlns:a16="http://schemas.microsoft.com/office/drawing/2014/main" id="{3061C815-B90B-2D3D-D71C-69F8E990DB36}"/>
+                <a16:creationId xmlns:a16="http://schemas.microsoft.com/office/drawing/2014/main" id="{3061C815-B90B-2D3D-D71C-69F8E990DB36}"/>
               </a:ext>
             </a:extLst>
           </p:cNvPr>
@@ -13089,7 +13107,7 @@
           <p:cNvPr id="2" name="Title 1">
             <a:extLst>
               <a:ext uri="{FF2B5EF4-FFF2-40B4-BE49-F238E27FC236}">
-                <a16:creationId xmlns="" xmlns:a16="http://schemas.microsoft.com/office/drawing/2014/main" id="{9CA03B2C-8670-A19C-CFD3-4E263BE09670}"/>
+                <a16:creationId xmlns:a16="http://schemas.microsoft.com/office/drawing/2014/main" id="{9CA03B2C-8670-A19C-CFD3-4E263BE09670}"/>
               </a:ext>
             </a:extLst>
           </p:cNvPr>
@@ -13121,7 +13139,7 @@
           <p:cNvPr id="3" name="Content Placeholder 2">
             <a:extLst>
               <a:ext uri="{FF2B5EF4-FFF2-40B4-BE49-F238E27FC236}">
-                <a16:creationId xmlns="" xmlns:a16="http://schemas.microsoft.com/office/drawing/2014/main" id="{64E0760A-4196-F98A-5857-530BB7CF102C}"/>
+                <a16:creationId xmlns:a16="http://schemas.microsoft.com/office/drawing/2014/main" id="{64E0760A-4196-F98A-5857-530BB7CF102C}"/>
               </a:ext>
             </a:extLst>
           </p:cNvPr>
@@ -13182,7 +13200,7 @@
           <p:cNvPr id="2" name="Title 1">
             <a:extLst>
               <a:ext uri="{FF2B5EF4-FFF2-40B4-BE49-F238E27FC236}">
-                <a16:creationId xmlns="" xmlns:a16="http://schemas.microsoft.com/office/drawing/2014/main" id="{8A6EF547-B79F-FE1C-F98D-E564B67F3DD9}"/>
+                <a16:creationId xmlns:a16="http://schemas.microsoft.com/office/drawing/2014/main" id="{8A6EF547-B79F-FE1C-F98D-E564B67F3DD9}"/>
               </a:ext>
             </a:extLst>
           </p:cNvPr>
@@ -13214,7 +13232,7 @@
           <p:cNvPr id="3" name="Content Placeholder 2">
             <a:extLst>
               <a:ext uri="{FF2B5EF4-FFF2-40B4-BE49-F238E27FC236}">
-                <a16:creationId xmlns="" xmlns:a16="http://schemas.microsoft.com/office/drawing/2014/main" id="{ADB46F5E-1073-6599-87FA-71EBBBC5C232}"/>
+                <a16:creationId xmlns:a16="http://schemas.microsoft.com/office/drawing/2014/main" id="{ADB46F5E-1073-6599-87FA-71EBBBC5C232}"/>
               </a:ext>
             </a:extLst>
           </p:cNvPr>
@@ -13277,7 +13295,7 @@
           <p:cNvPr id="2" name="Title 1">
             <a:extLst>
               <a:ext uri="{FF2B5EF4-FFF2-40B4-BE49-F238E27FC236}">
-                <a16:creationId xmlns="" xmlns:a16="http://schemas.microsoft.com/office/drawing/2014/main" id="{058434CD-CA1A-F5F6-4298-E489D897FAA7}"/>
+                <a16:creationId xmlns:a16="http://schemas.microsoft.com/office/drawing/2014/main" id="{058434CD-CA1A-F5F6-4298-E489D897FAA7}"/>
               </a:ext>
             </a:extLst>
           </p:cNvPr>
@@ -13309,7 +13327,7 @@
           <p:cNvPr id="3" name="Content Placeholder 2">
             <a:extLst>
               <a:ext uri="{FF2B5EF4-FFF2-40B4-BE49-F238E27FC236}">
-                <a16:creationId xmlns="" xmlns:a16="http://schemas.microsoft.com/office/drawing/2014/main" id="{056BB883-2E9F-D704-DE65-DC79C3C95A28}"/>
+                <a16:creationId xmlns:a16="http://schemas.microsoft.com/office/drawing/2014/main" id="{056BB883-2E9F-D704-DE65-DC79C3C95A28}"/>
               </a:ext>
             </a:extLst>
           </p:cNvPr>
@@ -13394,7 +13412,7 @@
           <p:cNvPr id="2" name="Title 1">
             <a:extLst>
               <a:ext uri="{FF2B5EF4-FFF2-40B4-BE49-F238E27FC236}">
-                <a16:creationId xmlns="" xmlns:a16="http://schemas.microsoft.com/office/drawing/2014/main" id="{8E74788F-49E9-7A8F-18AF-CAE569324010}"/>
+                <a16:creationId xmlns:a16="http://schemas.microsoft.com/office/drawing/2014/main" id="{8E74788F-49E9-7A8F-18AF-CAE569324010}"/>
               </a:ext>
             </a:extLst>
           </p:cNvPr>
@@ -13426,7 +13444,7 @@
           <p:cNvPr id="3" name="Content Placeholder 2">
             <a:extLst>
               <a:ext uri="{FF2B5EF4-FFF2-40B4-BE49-F238E27FC236}">
-                <a16:creationId xmlns="" xmlns:a16="http://schemas.microsoft.com/office/drawing/2014/main" id="{6CA948C2-8F8A-EF61-C258-8C7992DDCCDA}"/>
+                <a16:creationId xmlns:a16="http://schemas.microsoft.com/office/drawing/2014/main" id="{6CA948C2-8F8A-EF61-C258-8C7992DDCCDA}"/>
               </a:ext>
             </a:extLst>
           </p:cNvPr>
@@ -13516,7 +13534,7 @@
           <p:cNvPr id="2" name="Title 1">
             <a:extLst>
               <a:ext uri="{FF2B5EF4-FFF2-40B4-BE49-F238E27FC236}">
-                <a16:creationId xmlns="" xmlns:a16="http://schemas.microsoft.com/office/drawing/2014/main" id="{519CE233-69C3-4F01-A521-6CE637A4AF43}"/>
+                <a16:creationId xmlns:a16="http://schemas.microsoft.com/office/drawing/2014/main" id="{519CE233-69C3-4F01-A521-6CE637A4AF43}"/>
               </a:ext>
             </a:extLst>
           </p:cNvPr>
@@ -13548,7 +13566,7 @@
           <p:cNvPr id="3" name="Content Placeholder 2">
             <a:extLst>
               <a:ext uri="{FF2B5EF4-FFF2-40B4-BE49-F238E27FC236}">
-                <a16:creationId xmlns="" xmlns:a16="http://schemas.microsoft.com/office/drawing/2014/main" id="{D86B344E-0A9C-F4CB-93AE-A15CC5CF5EFA}"/>
+                <a16:creationId xmlns:a16="http://schemas.microsoft.com/office/drawing/2014/main" id="{D86B344E-0A9C-F4CB-93AE-A15CC5CF5EFA}"/>
               </a:ext>
             </a:extLst>
           </p:cNvPr>
@@ -13609,7 +13627,7 @@
           <p:cNvPr id="2" name="Title 1">
             <a:extLst>
               <a:ext uri="{FF2B5EF4-FFF2-40B4-BE49-F238E27FC236}">
-                <a16:creationId xmlns="" xmlns:a16="http://schemas.microsoft.com/office/drawing/2014/main" id="{1407E3BD-02B1-91A1-37E1-08139032BF1D}"/>
+                <a16:creationId xmlns:a16="http://schemas.microsoft.com/office/drawing/2014/main" id="{1407E3BD-02B1-91A1-37E1-08139032BF1D}"/>
               </a:ext>
             </a:extLst>
           </p:cNvPr>
@@ -13641,7 +13659,7 @@
           <p:cNvPr id="3" name="Content Placeholder 2">
             <a:extLst>
               <a:ext uri="{FF2B5EF4-FFF2-40B4-BE49-F238E27FC236}">
-                <a16:creationId xmlns="" xmlns:a16="http://schemas.microsoft.com/office/drawing/2014/main" id="{A5A76998-4CE3-C2F2-DF94-0ACF27E29D84}"/>
+                <a16:creationId xmlns:a16="http://schemas.microsoft.com/office/drawing/2014/main" id="{A5A76998-4CE3-C2F2-DF94-0ACF27E29D84}"/>
               </a:ext>
             </a:extLst>
           </p:cNvPr>
@@ -13720,7 +13738,7 @@
           <p:cNvPr id="2" name="Title 1">
             <a:extLst>
               <a:ext uri="{FF2B5EF4-FFF2-40B4-BE49-F238E27FC236}">
-                <a16:creationId xmlns="" xmlns:a16="http://schemas.microsoft.com/office/drawing/2014/main" id="{5DBB1DBD-C589-30A6-3643-1FC47503E8D5}"/>
+                <a16:creationId xmlns:a16="http://schemas.microsoft.com/office/drawing/2014/main" id="{5DBB1DBD-C589-30A6-3643-1FC47503E8D5}"/>
               </a:ext>
             </a:extLst>
           </p:cNvPr>
@@ -13752,7 +13770,7 @@
           <p:cNvPr id="3" name="Content Placeholder 2">
             <a:extLst>
               <a:ext uri="{FF2B5EF4-FFF2-40B4-BE49-F238E27FC236}">
-                <a16:creationId xmlns="" xmlns:a16="http://schemas.microsoft.com/office/drawing/2014/main" id="{47E6174B-38FF-3B1E-8452-B0AA949E6ADA}"/>
+                <a16:creationId xmlns:a16="http://schemas.microsoft.com/office/drawing/2014/main" id="{47E6174B-38FF-3B1E-8452-B0AA949E6ADA}"/>
               </a:ext>
             </a:extLst>
           </p:cNvPr>
@@ -14034,7 +14052,7 @@
   <a:extraClrSchemeLst/>
   <a:extLst>
     <a:ext uri="{05A4C25C-085E-4340-85A3-A5531E510DB2}">
-      <thm15:themeFamily xmlns="" xmlns:thm15="http://schemas.microsoft.com/office/thememl/2012/main" name="Circuit" id="{0AC2F7E7-15F5-431C-B2A2-456FE929F56C}" vid="{0911B802-464C-4241-8DD9-B60FF88E379F}"/>
+      <thm15:themeFamily xmlns:thm15="http://schemas.microsoft.com/office/thememl/2012/main" name="Circuit" id="{0AC2F7E7-15F5-431C-B2A2-456FE929F56C}" vid="{0911B802-464C-4241-8DD9-B60FF88E379F}"/>
     </a:ext>
   </a:extLst>
 </a:theme>
